--- a/template.pptx
+++ b/template.pptx
@@ -194,7 +194,7 @@
           <a:p>
             <a:fld id="{DB7A9586-F6B2-B24F-A299-C5518C7364B4}" type="datetimeFigureOut">
               <a:rPr lang="es-ES_tradnl" smtClean="0"/>
-              <a:t>11/11/24</a:t>
+              <a:t>05/03/2025</a:t>
             </a:fld>
             <a:endParaRPr lang="es-ES_tradnl"/>
           </a:p>
@@ -824,7 +824,7 @@
           <a:p>
             <a:fld id="{0E2FB9A1-9B60-8046-A5BB-AE8B3674F523}" type="datetimeFigureOut">
               <a:rPr lang="en-MX" smtClean="0"/>
-              <a:t>11/11/24</a:t>
+              <a:t>03/05/2025</a:t>
             </a:fld>
             <a:endParaRPr lang="en-MX"/>
           </a:p>
@@ -1034,7 +1034,7 @@
           <a:p>
             <a:fld id="{0E2FB9A1-9B60-8046-A5BB-AE8B3674F523}" type="datetimeFigureOut">
               <a:rPr lang="en-MX" smtClean="0"/>
-              <a:t>11/11/24</a:t>
+              <a:t>03/05/2025</a:t>
             </a:fld>
             <a:endParaRPr lang="en-MX"/>
           </a:p>
@@ -1421,7 +1421,7 @@
 
 <file path=ppt/slideLayouts/slideLayout13.xml><?xml version="1.0" encoding="utf-8"?>
 <p:sldLayout xmlns:a="http://schemas.openxmlformats.org/drawingml/2006/main" xmlns:r="http://schemas.openxmlformats.org/officeDocument/2006/relationships" xmlns:p="http://schemas.openxmlformats.org/presentationml/2006/main" preserve="1" userDrawn="1">
-  <p:cSld name="Map and Table">
+  <p:cSld name="Income">
     <p:spTree>
       <p:nvGrpSpPr>
         <p:cNvPr id="1" name=""/>
@@ -1558,7 +1558,7 @@
                 </a:solidFill>
                 <a:latin typeface="Avenir Next"/>
               </a:rPr>
-              <a:t>Dinámica de crecimiento del 2000 al 2020</a:t>
+              <a:t>Ingresos</a:t>
             </a:r>
             <a:endParaRPr lang="en-US" sz="2400" dirty="0">
               <a:ea typeface="+mn-ea"/>
@@ -1675,6 +1675,554 @@
               <a:rPr lang="es-ES_tradnl" sz="1200" dirty="0">
                 <a:latin typeface="Corbel"/>
               </a:rPr>
+              <a:t>Fuente: Elaboración CFC con datos de INEGI. 2024.</a:t>
+            </a:r>
+          </a:p>
+        </p:txBody>
+      </p:sp>
+    </p:spTree>
+    <p:extLst>
+      <p:ext uri="{BB962C8B-B14F-4D97-AF65-F5344CB8AC3E}">
+        <p14:creationId xmlns:p14="http://schemas.microsoft.com/office/powerpoint/2010/main" val="3441319790"/>
+      </p:ext>
+    </p:extLst>
+  </p:cSld>
+  <p:clrMapOvr>
+    <a:masterClrMapping/>
+  </p:clrMapOvr>
+</p:sldLayout>
+</file>
+
+<file path=ppt/slideLayouts/slideLayout14.xml><?xml version="1.0" encoding="utf-8"?>
+<p:sldLayout xmlns:a="http://schemas.openxmlformats.org/drawingml/2006/main" xmlns:r="http://schemas.openxmlformats.org/officeDocument/2006/relationships" xmlns:p="http://schemas.openxmlformats.org/presentationml/2006/main" preserve="1" userDrawn="1">
+  <p:cSld name="Jobs">
+    <p:spTree>
+      <p:nvGrpSpPr>
+        <p:cNvPr id="1" name=""/>
+        <p:cNvGrpSpPr/>
+        <p:nvPr/>
+      </p:nvGrpSpPr>
+      <p:grpSpPr>
+        <a:xfrm>
+          <a:off x="0" y="0"/>
+          <a:ext cx="0" cy="0"/>
+          <a:chOff x="0" y="0"/>
+          <a:chExt cx="0" cy="0"/>
+        </a:xfrm>
+      </p:grpSpPr>
+      <p:sp>
+        <p:nvSpPr>
+          <p:cNvPr id="6" name="Rectangle 5">
+            <a:extLst>
+              <a:ext uri="{FF2B5EF4-FFF2-40B4-BE49-F238E27FC236}">
+                <a16:creationId xmlns:a16="http://schemas.microsoft.com/office/drawing/2014/main" id="{52D447BD-7428-D19B-F6AF-2527FBBB6A64}"/>
+              </a:ext>
+            </a:extLst>
+          </p:cNvPr>
+          <p:cNvSpPr/>
+          <p:nvPr userDrawn="1"/>
+        </p:nvSpPr>
+        <p:spPr>
+          <a:xfrm>
+            <a:off x="0" y="0"/>
+            <a:ext cx="12192000" cy="1285779"/>
+          </a:xfrm>
+          <a:prstGeom prst="rect">
+            <a:avLst/>
+          </a:prstGeom>
+          <a:solidFill>
+            <a:schemeClr val="tx2">
+              <a:lumMod val="10000"/>
+              <a:lumOff val="90000"/>
+            </a:schemeClr>
+          </a:solidFill>
+          <a:ln>
+            <a:noFill/>
+          </a:ln>
+        </p:spPr>
+        <p:style>
+          <a:lnRef idx="2">
+            <a:schemeClr val="accent1">
+              <a:shade val="15000"/>
+            </a:schemeClr>
+          </a:lnRef>
+          <a:fillRef idx="1">
+            <a:schemeClr val="accent1"/>
+          </a:fillRef>
+          <a:effectRef idx="0">
+            <a:schemeClr val="accent1"/>
+          </a:effectRef>
+          <a:fontRef idx="minor">
+            <a:schemeClr val="lt1"/>
+          </a:fontRef>
+        </p:style>
+        <p:txBody>
+          <a:bodyPr rtlCol="0" anchor="ctr"/>
+          <a:lstStyle/>
+          <a:p>
+            <a:pPr marL="0" marR="0" lvl="0" indent="0" algn="ctr" defTabSz="914400" rtl="0" eaLnBrk="1" fontAlgn="auto" latinLnBrk="0" hangingPunct="1">
+              <a:lnSpc>
+                <a:spcPct val="100000"/>
+              </a:lnSpc>
+              <a:spcBef>
+                <a:spcPts val="0"/>
+              </a:spcBef>
+              <a:spcAft>
+                <a:spcPts val="0"/>
+              </a:spcAft>
+              <a:buClrTx/>
+              <a:buSzTx/>
+              <a:buFontTx/>
+              <a:buNone/>
+              <a:tabLst/>
+              <a:defRPr/>
+            </a:pPr>
+            <a:endParaRPr kumimoji="0" lang="es-ES_tradnl" sz="1800" b="0" i="0" u="none" strike="noStrike" kern="1200" cap="none" spc="0" normalizeH="0" baseline="0" noProof="0">
+              <a:ln>
+                <a:noFill/>
+              </a:ln>
+              <a:solidFill>
+                <a:prstClr val="white"/>
+              </a:solidFill>
+              <a:effectLst/>
+              <a:uLnTx/>
+              <a:uFillTx/>
+              <a:latin typeface="Aptos" panose="02110004020202020204"/>
+              <a:ea typeface="+mn-ea"/>
+              <a:cs typeface="+mn-cs"/>
+            </a:endParaRPr>
+          </a:p>
+        </p:txBody>
+      </p:sp>
+      <p:sp>
+        <p:nvSpPr>
+          <p:cNvPr id="8" name="TextBox 7">
+            <a:extLst>
+              <a:ext uri="{FF2B5EF4-FFF2-40B4-BE49-F238E27FC236}">
+                <a16:creationId xmlns:a16="http://schemas.microsoft.com/office/drawing/2014/main" id="{F80EF4BD-7206-F61D-1748-BF896B1E4D89}"/>
+              </a:ext>
+            </a:extLst>
+          </p:cNvPr>
+          <p:cNvSpPr txBox="1"/>
+          <p:nvPr userDrawn="1"/>
+        </p:nvSpPr>
+        <p:spPr>
+          <a:xfrm>
+            <a:off x="152400" y="412056"/>
+            <a:ext cx="8458200" cy="461665"/>
+          </a:xfrm>
+          <a:prstGeom prst="rect">
+            <a:avLst/>
+          </a:prstGeom>
+          <a:noFill/>
+        </p:spPr>
+        <p:txBody>
+          <a:bodyPr wrap="square">
+            <a:spAutoFit/>
+          </a:bodyPr>
+          <a:lstStyle/>
+          <a:p>
+            <a:pPr>
+              <a:defRPr/>
+            </a:pPr>
+            <a:r>
+              <a:rPr lang="es-ES_tradnl" sz="2400" b="1" dirty="0">
+                <a:solidFill>
+                  <a:srgbClr val="0070C0"/>
+                </a:solidFill>
+                <a:latin typeface="Avenir Next"/>
+              </a:rPr>
+              <a:t>Trabajos</a:t>
+            </a:r>
+            <a:endParaRPr lang="en-US" sz="2400" dirty="0">
+              <a:ea typeface="+mn-ea"/>
+              <a:cs typeface="+mn-cs"/>
+            </a:endParaRPr>
+          </a:p>
+        </p:txBody>
+      </p:sp>
+      <p:pic>
+        <p:nvPicPr>
+          <p:cNvPr id="9" name="Google Shape;302;p2">
+            <a:extLst>
+              <a:ext uri="{FF2B5EF4-FFF2-40B4-BE49-F238E27FC236}">
+                <a16:creationId xmlns:a16="http://schemas.microsoft.com/office/drawing/2014/main" id="{19B1BB53-F4C4-6B03-F4BA-25A666764B01}"/>
+              </a:ext>
+            </a:extLst>
+          </p:cNvPr>
+          <p:cNvPicPr>
+            <a:picLocks noChangeAspect="1"/>
+          </p:cNvPicPr>
+          <p:nvPr userDrawn="1"/>
+        </p:nvPicPr>
+        <p:blipFill rotWithShape="1">
+          <a:blip r:embed="rId2" cstate="screen">
+            <a:alphaModFix/>
+            <a:extLst>
+              <a:ext uri="{28A0092B-C50C-407E-A947-70E740481C1C}">
+                <a14:useLocalDpi xmlns:a14="http://schemas.microsoft.com/office/drawing/2010/main"/>
+              </a:ext>
+            </a:extLst>
+          </a:blip>
+          <a:srcRect/>
+          <a:stretch/>
+        </p:blipFill>
+        <p:spPr>
+          <a:xfrm>
+            <a:off x="8620905" y="432163"/>
+            <a:ext cx="3154680" cy="411480"/>
+          </a:xfrm>
+          <a:prstGeom prst="rect">
+            <a:avLst/>
+          </a:prstGeom>
+          <a:noFill/>
+          <a:ln>
+            <a:noFill/>
+          </a:ln>
+        </p:spPr>
+      </p:pic>
+      <p:sp>
+        <p:nvSpPr>
+          <p:cNvPr id="11" name="Picture Placeholder 10">
+            <a:extLst>
+              <a:ext uri="{FF2B5EF4-FFF2-40B4-BE49-F238E27FC236}">
+                <a16:creationId xmlns:a16="http://schemas.microsoft.com/office/drawing/2014/main" id="{3C200E97-8D5D-D8AF-AC67-ADD9BB6D7810}"/>
+              </a:ext>
+            </a:extLst>
+          </p:cNvPr>
+          <p:cNvSpPr>
+            <a:spLocks noGrp="1"/>
+          </p:cNvSpPr>
+          <p:nvPr>
+            <p:ph type="pic" sz="quarter" idx="13"/>
+          </p:nvPr>
+        </p:nvSpPr>
+        <p:spPr>
+          <a:xfrm>
+            <a:off x="409800" y="1591892"/>
+            <a:ext cx="7743600" cy="4352400"/>
+          </a:xfrm>
+        </p:spPr>
+        <p:txBody>
+          <a:bodyPr/>
+          <a:lstStyle>
+            <a:lvl1pPr marL="0" indent="0">
+              <a:buNone/>
+              <a:defRPr/>
+            </a:lvl1pPr>
+          </a:lstStyle>
+          <a:p>
+            <a:endParaRPr lang="en-MX" dirty="0"/>
+          </a:p>
+        </p:txBody>
+      </p:sp>
+      <p:sp>
+        <p:nvSpPr>
+          <p:cNvPr id="12" name="TextBox 11">
+            <a:extLst>
+              <a:ext uri="{FF2B5EF4-FFF2-40B4-BE49-F238E27FC236}">
+                <a16:creationId xmlns:a16="http://schemas.microsoft.com/office/drawing/2014/main" id="{2F3DBC78-4B3B-18B7-94AB-7697FD2A158E}"/>
+              </a:ext>
+            </a:extLst>
+          </p:cNvPr>
+          <p:cNvSpPr txBox="1"/>
+          <p:nvPr userDrawn="1"/>
+        </p:nvSpPr>
+        <p:spPr>
+          <a:xfrm>
+            <a:off x="409800" y="5979427"/>
+            <a:ext cx="4471645" cy="276999"/>
+          </a:xfrm>
+          <a:prstGeom prst="rect">
+            <a:avLst/>
+          </a:prstGeom>
+          <a:noFill/>
+        </p:spPr>
+        <p:txBody>
+          <a:bodyPr wrap="square" rtlCol="0">
+            <a:spAutoFit/>
+          </a:bodyPr>
+          <a:lstStyle/>
+          <a:p>
+            <a:pPr algn="l"/>
+            <a:r>
+              <a:rPr lang="es-ES_tradnl" sz="1200" dirty="0">
+                <a:latin typeface="Corbel"/>
+              </a:rPr>
+              <a:t>Fuente: Elaboración CFC con datos de INEGI. 2024.</a:t>
+            </a:r>
+          </a:p>
+        </p:txBody>
+      </p:sp>
+    </p:spTree>
+    <p:extLst>
+      <p:ext uri="{BB962C8B-B14F-4D97-AF65-F5344CB8AC3E}">
+        <p14:creationId xmlns:p14="http://schemas.microsoft.com/office/powerpoint/2010/main" val="2040277245"/>
+      </p:ext>
+    </p:extLst>
+  </p:cSld>
+  <p:clrMapOvr>
+    <a:masterClrMapping/>
+  </p:clrMapOvr>
+</p:sldLayout>
+</file>
+
+<file path=ppt/slideLayouts/slideLayout15.xml><?xml version="1.0" encoding="utf-8"?>
+<p:sldLayout xmlns:a="http://schemas.openxmlformats.org/drawingml/2006/main" xmlns:r="http://schemas.openxmlformats.org/officeDocument/2006/relationships" xmlns:p="http://schemas.openxmlformats.org/presentationml/2006/main" preserve="1" userDrawn="1">
+  <p:cSld name="Map and Table">
+    <p:spTree>
+      <p:nvGrpSpPr>
+        <p:cNvPr id="1" name=""/>
+        <p:cNvGrpSpPr/>
+        <p:nvPr/>
+      </p:nvGrpSpPr>
+      <p:grpSpPr>
+        <a:xfrm>
+          <a:off x="0" y="0"/>
+          <a:ext cx="0" cy="0"/>
+          <a:chOff x="0" y="0"/>
+          <a:chExt cx="0" cy="0"/>
+        </a:xfrm>
+      </p:grpSpPr>
+      <p:sp>
+        <p:nvSpPr>
+          <p:cNvPr id="6" name="Rectangle 5">
+            <a:extLst>
+              <a:ext uri="{FF2B5EF4-FFF2-40B4-BE49-F238E27FC236}">
+                <a16:creationId xmlns:a16="http://schemas.microsoft.com/office/drawing/2014/main" id="{52D447BD-7428-D19B-F6AF-2527FBBB6A64}"/>
+              </a:ext>
+            </a:extLst>
+          </p:cNvPr>
+          <p:cNvSpPr/>
+          <p:nvPr userDrawn="1"/>
+        </p:nvSpPr>
+        <p:spPr>
+          <a:xfrm>
+            <a:off x="0" y="0"/>
+            <a:ext cx="12192000" cy="1285779"/>
+          </a:xfrm>
+          <a:prstGeom prst="rect">
+            <a:avLst/>
+          </a:prstGeom>
+          <a:solidFill>
+            <a:schemeClr val="tx2">
+              <a:lumMod val="10000"/>
+              <a:lumOff val="90000"/>
+            </a:schemeClr>
+          </a:solidFill>
+          <a:ln>
+            <a:noFill/>
+          </a:ln>
+        </p:spPr>
+        <p:style>
+          <a:lnRef idx="2">
+            <a:schemeClr val="accent1">
+              <a:shade val="15000"/>
+            </a:schemeClr>
+          </a:lnRef>
+          <a:fillRef idx="1">
+            <a:schemeClr val="accent1"/>
+          </a:fillRef>
+          <a:effectRef idx="0">
+            <a:schemeClr val="accent1"/>
+          </a:effectRef>
+          <a:fontRef idx="minor">
+            <a:schemeClr val="lt1"/>
+          </a:fontRef>
+        </p:style>
+        <p:txBody>
+          <a:bodyPr rtlCol="0" anchor="ctr"/>
+          <a:lstStyle/>
+          <a:p>
+            <a:pPr marL="0" marR="0" lvl="0" indent="0" algn="ctr" defTabSz="914400" rtl="0" eaLnBrk="1" fontAlgn="auto" latinLnBrk="0" hangingPunct="1">
+              <a:lnSpc>
+                <a:spcPct val="100000"/>
+              </a:lnSpc>
+              <a:spcBef>
+                <a:spcPts val="0"/>
+              </a:spcBef>
+              <a:spcAft>
+                <a:spcPts val="0"/>
+              </a:spcAft>
+              <a:buClrTx/>
+              <a:buSzTx/>
+              <a:buFontTx/>
+              <a:buNone/>
+              <a:tabLst/>
+              <a:defRPr/>
+            </a:pPr>
+            <a:endParaRPr kumimoji="0" lang="es-ES_tradnl" sz="1800" b="0" i="0" u="none" strike="noStrike" kern="1200" cap="none" spc="0" normalizeH="0" baseline="0" noProof="0">
+              <a:ln>
+                <a:noFill/>
+              </a:ln>
+              <a:solidFill>
+                <a:prstClr val="white"/>
+              </a:solidFill>
+              <a:effectLst/>
+              <a:uLnTx/>
+              <a:uFillTx/>
+              <a:latin typeface="Aptos" panose="02110004020202020204"/>
+              <a:ea typeface="+mn-ea"/>
+              <a:cs typeface="+mn-cs"/>
+            </a:endParaRPr>
+          </a:p>
+        </p:txBody>
+      </p:sp>
+      <p:sp>
+        <p:nvSpPr>
+          <p:cNvPr id="8" name="TextBox 7">
+            <a:extLst>
+              <a:ext uri="{FF2B5EF4-FFF2-40B4-BE49-F238E27FC236}">
+                <a16:creationId xmlns:a16="http://schemas.microsoft.com/office/drawing/2014/main" id="{F80EF4BD-7206-F61D-1748-BF896B1E4D89}"/>
+              </a:ext>
+            </a:extLst>
+          </p:cNvPr>
+          <p:cNvSpPr txBox="1"/>
+          <p:nvPr userDrawn="1"/>
+        </p:nvSpPr>
+        <p:spPr>
+          <a:xfrm>
+            <a:off x="152400" y="412056"/>
+            <a:ext cx="8458200" cy="461665"/>
+          </a:xfrm>
+          <a:prstGeom prst="rect">
+            <a:avLst/>
+          </a:prstGeom>
+          <a:noFill/>
+        </p:spPr>
+        <p:txBody>
+          <a:bodyPr wrap="square">
+            <a:spAutoFit/>
+          </a:bodyPr>
+          <a:lstStyle/>
+          <a:p>
+            <a:pPr>
+              <a:defRPr/>
+            </a:pPr>
+            <a:r>
+              <a:rPr lang="es-ES_tradnl" sz="2400" b="1" dirty="0">
+                <a:solidFill>
+                  <a:srgbClr val="0070C0"/>
+                </a:solidFill>
+                <a:latin typeface="Avenir Next"/>
+              </a:rPr>
+              <a:t>Dinámica de crecimiento del 2000 al 2020</a:t>
+            </a:r>
+            <a:endParaRPr lang="en-US" sz="2400" dirty="0">
+              <a:ea typeface="+mn-ea"/>
+              <a:cs typeface="+mn-cs"/>
+            </a:endParaRPr>
+          </a:p>
+        </p:txBody>
+      </p:sp>
+      <p:pic>
+        <p:nvPicPr>
+          <p:cNvPr id="9" name="Google Shape;302;p2">
+            <a:extLst>
+              <a:ext uri="{FF2B5EF4-FFF2-40B4-BE49-F238E27FC236}">
+                <a16:creationId xmlns:a16="http://schemas.microsoft.com/office/drawing/2014/main" id="{19B1BB53-F4C4-6B03-F4BA-25A666764B01}"/>
+              </a:ext>
+            </a:extLst>
+          </p:cNvPr>
+          <p:cNvPicPr>
+            <a:picLocks noChangeAspect="1"/>
+          </p:cNvPicPr>
+          <p:nvPr userDrawn="1"/>
+        </p:nvPicPr>
+        <p:blipFill rotWithShape="1">
+          <a:blip r:embed="rId2" cstate="screen">
+            <a:alphaModFix/>
+            <a:extLst>
+              <a:ext uri="{28A0092B-C50C-407E-A947-70E740481C1C}">
+                <a14:useLocalDpi xmlns:a14="http://schemas.microsoft.com/office/drawing/2010/main"/>
+              </a:ext>
+            </a:extLst>
+          </a:blip>
+          <a:srcRect/>
+          <a:stretch/>
+        </p:blipFill>
+        <p:spPr>
+          <a:xfrm>
+            <a:off x="8620905" y="432163"/>
+            <a:ext cx="3154680" cy="411480"/>
+          </a:xfrm>
+          <a:prstGeom prst="rect">
+            <a:avLst/>
+          </a:prstGeom>
+          <a:noFill/>
+          <a:ln>
+            <a:noFill/>
+          </a:ln>
+        </p:spPr>
+      </p:pic>
+      <p:sp>
+        <p:nvSpPr>
+          <p:cNvPr id="11" name="Picture Placeholder 10">
+            <a:extLst>
+              <a:ext uri="{FF2B5EF4-FFF2-40B4-BE49-F238E27FC236}">
+                <a16:creationId xmlns:a16="http://schemas.microsoft.com/office/drawing/2014/main" id="{3C200E97-8D5D-D8AF-AC67-ADD9BB6D7810}"/>
+              </a:ext>
+            </a:extLst>
+          </p:cNvPr>
+          <p:cNvSpPr>
+            <a:spLocks noGrp="1"/>
+          </p:cNvSpPr>
+          <p:nvPr>
+            <p:ph type="pic" sz="quarter" idx="13"/>
+          </p:nvPr>
+        </p:nvSpPr>
+        <p:spPr>
+          <a:xfrm>
+            <a:off x="409800" y="1591892"/>
+            <a:ext cx="7743600" cy="4352400"/>
+          </a:xfrm>
+        </p:spPr>
+        <p:txBody>
+          <a:bodyPr/>
+          <a:lstStyle>
+            <a:lvl1pPr marL="0" indent="0">
+              <a:buNone/>
+              <a:defRPr/>
+            </a:lvl1pPr>
+          </a:lstStyle>
+          <a:p>
+            <a:endParaRPr lang="en-MX" dirty="0"/>
+          </a:p>
+        </p:txBody>
+      </p:sp>
+      <p:sp>
+        <p:nvSpPr>
+          <p:cNvPr id="12" name="TextBox 11">
+            <a:extLst>
+              <a:ext uri="{FF2B5EF4-FFF2-40B4-BE49-F238E27FC236}">
+                <a16:creationId xmlns:a16="http://schemas.microsoft.com/office/drawing/2014/main" id="{2F3DBC78-4B3B-18B7-94AB-7697FD2A158E}"/>
+              </a:ext>
+            </a:extLst>
+          </p:cNvPr>
+          <p:cNvSpPr txBox="1"/>
+          <p:nvPr userDrawn="1"/>
+        </p:nvSpPr>
+        <p:spPr>
+          <a:xfrm>
+            <a:off x="409800" y="5979427"/>
+            <a:ext cx="4471645" cy="276999"/>
+          </a:xfrm>
+          <a:prstGeom prst="rect">
+            <a:avLst/>
+          </a:prstGeom>
+          <a:noFill/>
+        </p:spPr>
+        <p:txBody>
+          <a:bodyPr wrap="square" rtlCol="0">
+            <a:spAutoFit/>
+          </a:bodyPr>
+          <a:lstStyle/>
+          <a:p>
+            <a:pPr algn="l"/>
+            <a:r>
+              <a:rPr lang="es-ES_tradnl" sz="1200" dirty="0">
+                <a:latin typeface="Corbel"/>
+              </a:rPr>
               <a:t>Fuente: Elaboración CFC con datos de INEGI y GHSL. 2024.</a:t>
             </a:r>
           </a:p>
@@ -1766,7 +2314,7 @@
 </p:sldLayout>
 </file>
 
-<file path=ppt/slideLayouts/slideLayout14.xml><?xml version="1.0" encoding="utf-8"?>
+<file path=ppt/slideLayouts/slideLayout16.xml><?xml version="1.0" encoding="utf-8"?>
 <p:sldLayout xmlns:a="http://schemas.openxmlformats.org/drawingml/2006/main" xmlns:r="http://schemas.openxmlformats.org/officeDocument/2006/relationships" xmlns:p="http://schemas.openxmlformats.org/presentationml/2006/main" preserve="1" userDrawn="1">
   <p:cSld name="Section Divider">
     <p:bg>
@@ -1976,7 +2524,7 @@
           <a:p>
             <a:fld id="{0E2FB9A1-9B60-8046-A5BB-AE8B3674F523}" type="datetimeFigureOut">
               <a:rPr lang="en-MX" smtClean="0"/>
-              <a:t>11/11/24</a:t>
+              <a:t>03/05/2025</a:t>
             </a:fld>
             <a:endParaRPr lang="en-MX"/>
           </a:p>
@@ -2268,7 +2816,7 @@
           <a:p>
             <a:fld id="{0E2FB9A1-9B60-8046-A5BB-AE8B3674F523}" type="datetimeFigureOut">
               <a:rPr lang="en-MX" smtClean="0"/>
-              <a:t>11/11/24</a:t>
+              <a:t>03/05/2025</a:t>
             </a:fld>
             <a:endParaRPr lang="en-MX"/>
           </a:p>
@@ -2536,7 +3084,7 @@
           <a:p>
             <a:fld id="{0E2FB9A1-9B60-8046-A5BB-AE8B3674F523}" type="datetimeFigureOut">
               <a:rPr lang="en-MX" smtClean="0"/>
-              <a:t>11/11/24</a:t>
+              <a:t>03/05/2025</a:t>
             </a:fld>
             <a:endParaRPr lang="en-MX"/>
           </a:p>
@@ -2951,7 +3499,7 @@
           <a:p>
             <a:fld id="{0E2FB9A1-9B60-8046-A5BB-AE8B3674F523}" type="datetimeFigureOut">
               <a:rPr lang="en-MX" smtClean="0"/>
-              <a:t>11/11/24</a:t>
+              <a:t>03/05/2025</a:t>
             </a:fld>
             <a:endParaRPr lang="en-MX"/>
           </a:p>
@@ -3093,7 +3641,7 @@
           <a:p>
             <a:fld id="{0E2FB9A1-9B60-8046-A5BB-AE8B3674F523}" type="datetimeFigureOut">
               <a:rPr lang="en-MX" smtClean="0"/>
-              <a:t>11/11/24</a:t>
+              <a:t>03/05/2025</a:t>
             </a:fld>
             <a:endParaRPr lang="en-MX"/>
           </a:p>
@@ -3206,7 +3754,7 @@
           <a:p>
             <a:fld id="{0E2FB9A1-9B60-8046-A5BB-AE8B3674F523}" type="datetimeFigureOut">
               <a:rPr lang="en-MX" smtClean="0"/>
-              <a:t>11/11/24</a:t>
+              <a:t>03/05/2025</a:t>
             </a:fld>
             <a:endParaRPr lang="en-MX"/>
           </a:p>
@@ -3519,7 +4067,7 @@
           <a:p>
             <a:fld id="{0E2FB9A1-9B60-8046-A5BB-AE8B3674F523}" type="datetimeFigureOut">
               <a:rPr lang="en-MX" smtClean="0"/>
-              <a:t>11/11/24</a:t>
+              <a:t>03/05/2025</a:t>
             </a:fld>
             <a:endParaRPr lang="en-MX"/>
           </a:p>
@@ -3808,7 +4356,7 @@
           <a:p>
             <a:fld id="{0E2FB9A1-9B60-8046-A5BB-AE8B3674F523}" type="datetimeFigureOut">
               <a:rPr lang="en-MX" smtClean="0"/>
-              <a:t>11/11/24</a:t>
+              <a:t>03/05/2025</a:t>
             </a:fld>
             <a:endParaRPr lang="en-MX"/>
           </a:p>
@@ -4053,7 +4601,7 @@
             <a:fld id="{0E2FB9A1-9B60-8046-A5BB-AE8B3674F523}" type="datetimeFigureOut">
               <a:rPr lang="en-MX" smtClean="0"/>
               <a:pPr/>
-              <a:t>11/11/24</a:t>
+              <a:t>03/05/2025</a:t>
             </a:fld>
             <a:endParaRPr lang="en-MX" dirty="0"/>
           </a:p>
@@ -4173,8 +4721,10 @@
     <p:sldLayoutId id="2147483658" r:id="rId10"/>
     <p:sldLayoutId id="2147483659" r:id="rId11"/>
     <p:sldLayoutId id="2147483660" r:id="rId12"/>
-    <p:sldLayoutId id="2147483661" r:id="rId13"/>
-    <p:sldLayoutId id="2147483662" r:id="rId14"/>
+    <p:sldLayoutId id="2147483663" r:id="rId13"/>
+    <p:sldLayoutId id="2147483664" r:id="rId14"/>
+    <p:sldLayoutId id="2147483661" r:id="rId15"/>
+    <p:sldLayoutId id="2147483662" r:id="rId16"/>
   </p:sldLayoutIdLst>
   <p:txStyles>
     <p:titleStyle>

--- a/template.pptx
+++ b/template.pptx
@@ -194,7 +194,7 @@
           <a:p>
             <a:fld id="{DB7A9586-F6B2-B24F-A299-C5518C7364B4}" type="datetimeFigureOut">
               <a:rPr lang="es-ES_tradnl" smtClean="0"/>
-              <a:t>05/03/2025</a:t>
+              <a:t>21/04/2025</a:t>
             </a:fld>
             <a:endParaRPr lang="es-ES_tradnl"/>
           </a:p>
@@ -824,7 +824,7 @@
           <a:p>
             <a:fld id="{0E2FB9A1-9B60-8046-A5BB-AE8B3674F523}" type="datetimeFigureOut">
               <a:rPr lang="en-MX" smtClean="0"/>
-              <a:t>03/05/2025</a:t>
+              <a:t>04/21/2025</a:t>
             </a:fld>
             <a:endParaRPr lang="en-MX"/>
           </a:p>
@@ -1034,7 +1034,7 @@
           <a:p>
             <a:fld id="{0E2FB9A1-9B60-8046-A5BB-AE8B3674F523}" type="datetimeFigureOut">
               <a:rPr lang="en-MX" smtClean="0"/>
-              <a:t>03/05/2025</a:t>
+              <a:t>04/21/2025</a:t>
             </a:fld>
             <a:endParaRPr lang="en-MX"/>
           </a:p>
@@ -1109,7 +1109,7 @@
 
 <file path=ppt/slideLayouts/slideLayout12.xml><?xml version="1.0" encoding="utf-8"?>
 <p:sldLayout xmlns:a="http://schemas.openxmlformats.org/drawingml/2006/main" xmlns:r="http://schemas.openxmlformats.org/officeDocument/2006/relationships" xmlns:p="http://schemas.openxmlformats.org/presentationml/2006/main" preserve="1" userDrawn="1">
-  <p:cSld name="Map and Content">
+  <p:cSld name="Picture with Title">
     <p:spTree>
       <p:nvGrpSpPr>
         <p:cNvPr id="1" name=""/>
@@ -1208,53 +1208,6 @@
           </a:p>
         </p:txBody>
       </p:sp>
-      <p:sp>
-        <p:nvSpPr>
-          <p:cNvPr id="8" name="TextBox 7">
-            <a:extLst>
-              <a:ext uri="{FF2B5EF4-FFF2-40B4-BE49-F238E27FC236}">
-                <a16:creationId xmlns:a16="http://schemas.microsoft.com/office/drawing/2014/main" id="{F80EF4BD-7206-F61D-1748-BF896B1E4D89}"/>
-              </a:ext>
-            </a:extLst>
-          </p:cNvPr>
-          <p:cNvSpPr txBox="1"/>
-          <p:nvPr userDrawn="1"/>
-        </p:nvSpPr>
-        <p:spPr>
-          <a:xfrm>
-            <a:off x="152400" y="412056"/>
-            <a:ext cx="8458200" cy="461665"/>
-          </a:xfrm>
-          <a:prstGeom prst="rect">
-            <a:avLst/>
-          </a:prstGeom>
-          <a:noFill/>
-        </p:spPr>
-        <p:txBody>
-          <a:bodyPr wrap="square">
-            <a:spAutoFit/>
-          </a:bodyPr>
-          <a:lstStyle/>
-          <a:p>
-            <a:pPr>
-              <a:defRPr/>
-            </a:pPr>
-            <a:r>
-              <a:rPr lang="es-ES_tradnl" sz="2400" b="1" dirty="0">
-                <a:solidFill>
-                  <a:srgbClr val="0070C0"/>
-                </a:solidFill>
-                <a:latin typeface="Avenir Next"/>
-              </a:rPr>
-              <a:t>Dinámica de crecimiento del 2000 al 2020</a:t>
-            </a:r>
-            <a:endParaRPr lang="en-US" sz="2400" dirty="0">
-              <a:ea typeface="+mn-ea"/>
-              <a:cs typeface="+mn-cs"/>
-            </a:endParaRPr>
-          </a:p>
-        </p:txBody>
-      </p:sp>
       <p:pic>
         <p:nvPicPr>
           <p:cNvPr id="9" name="Google Shape;302;p2">
@@ -1332,84 +1285,54 @@
       </p:sp>
       <p:sp>
         <p:nvSpPr>
-          <p:cNvPr id="12" name="TextBox 11">
-            <a:extLst>
-              <a:ext uri="{FF2B5EF4-FFF2-40B4-BE49-F238E27FC236}">
-                <a16:creationId xmlns:a16="http://schemas.microsoft.com/office/drawing/2014/main" id="{2F3DBC78-4B3B-18B7-94AB-7697FD2A158E}"/>
-              </a:ext>
-            </a:extLst>
-          </p:cNvPr>
-          <p:cNvSpPr txBox="1"/>
-          <p:nvPr userDrawn="1"/>
+          <p:cNvPr id="4" name="Text Placeholder 2">
+            <a:extLst>
+              <a:ext uri="{FF2B5EF4-FFF2-40B4-BE49-F238E27FC236}">
+                <a16:creationId xmlns:a16="http://schemas.microsoft.com/office/drawing/2014/main" id="{D85055B6-23B6-0890-BC7F-457F0CFA728C}"/>
+              </a:ext>
+            </a:extLst>
+          </p:cNvPr>
+          <p:cNvSpPr>
+            <a:spLocks noGrp="1"/>
+          </p:cNvSpPr>
+          <p:nvPr>
+            <p:ph type="body" sz="quarter" idx="15" hasCustomPrompt="1"/>
+          </p:nvPr>
         </p:nvSpPr>
         <p:spPr>
           <a:xfrm>
-            <a:off x="409800" y="5979427"/>
-            <a:ext cx="4471645" cy="276999"/>
-          </a:xfrm>
-          <a:prstGeom prst="rect">
-            <a:avLst/>
-          </a:prstGeom>
-          <a:noFill/>
-        </p:spPr>
-        <p:txBody>
-          <a:bodyPr wrap="square" rtlCol="0">
-            <a:spAutoFit/>
-          </a:bodyPr>
-          <a:lstStyle/>
-          <a:p>
-            <a:pPr algn="l"/>
-            <a:r>
-              <a:rPr lang="es-ES_tradnl" sz="1200" dirty="0">
-                <a:latin typeface="Corbel"/>
-              </a:rPr>
-              <a:t>Fuente: Elaboración CFC con datos de INEGI. 2024.</a:t>
-            </a:r>
-          </a:p>
-        </p:txBody>
-      </p:sp>
-      <p:sp>
-        <p:nvSpPr>
-          <p:cNvPr id="22" name="Text Placeholder 21">
-            <a:extLst>
-              <a:ext uri="{FF2B5EF4-FFF2-40B4-BE49-F238E27FC236}">
-                <a16:creationId xmlns:a16="http://schemas.microsoft.com/office/drawing/2014/main" id="{FB9EA2CA-CAD7-4903-D24A-E79FA9DA756D}"/>
-              </a:ext>
-            </a:extLst>
-          </p:cNvPr>
-          <p:cNvSpPr>
-            <a:spLocks noGrp="1"/>
-          </p:cNvSpPr>
-          <p:nvPr>
-            <p:ph type="body" sz="quarter" idx="14"/>
-          </p:nvPr>
-        </p:nvSpPr>
-        <p:spPr>
-          <a:xfrm>
-            <a:off x="8620905" y="1591892"/>
-            <a:ext cx="3161295" cy="914400"/>
+            <a:off x="152400" y="412056"/>
+            <a:ext cx="8052090" cy="431587"/>
           </a:xfrm>
         </p:spPr>
         <p:txBody>
-          <a:bodyPr>
-            <a:normAutofit/>
-          </a:bodyPr>
+          <a:bodyPr/>
           <a:lstStyle>
             <a:lvl1pPr marL="0" indent="0">
               <a:buNone/>
-              <a:defRPr sz="1800"/>
+              <a:defRPr lang="en-US" sz="2400" b="1" kern="1200" smtClean="0">
+                <a:solidFill>
+                  <a:srgbClr val="0070C0"/>
+                </a:solidFill>
+                <a:latin typeface="Avenir Next"/>
+                <a:ea typeface="+mn-ea"/>
+                <a:cs typeface="+mn-cs"/>
+              </a:defRPr>
             </a:lvl1pPr>
           </a:lstStyle>
           <a:p>
             <a:pPr lvl="0"/>
-            <a:endParaRPr lang="es-ES_tradnl" dirty="0"/>
+            <a:r>
+              <a:rPr lang="en-US" dirty="0"/>
+              <a:t>Click to add title</a:t>
+            </a:r>
           </a:p>
         </p:txBody>
       </p:sp>
     </p:spTree>
     <p:extLst>
       <p:ext uri="{BB962C8B-B14F-4D97-AF65-F5344CB8AC3E}">
-        <p14:creationId xmlns:p14="http://schemas.microsoft.com/office/powerpoint/2010/main" val="2299421650"/>
+        <p14:creationId xmlns:p14="http://schemas.microsoft.com/office/powerpoint/2010/main" val="2222318257"/>
       </p:ext>
     </p:extLst>
   </p:cSld>
@@ -1421,7 +1344,7 @@
 
 <file path=ppt/slideLayouts/slideLayout13.xml><?xml version="1.0" encoding="utf-8"?>
 <p:sldLayout xmlns:a="http://schemas.openxmlformats.org/drawingml/2006/main" xmlns:r="http://schemas.openxmlformats.org/officeDocument/2006/relationships" xmlns:p="http://schemas.openxmlformats.org/presentationml/2006/main" preserve="1" userDrawn="1">
-  <p:cSld name="Income">
+  <p:cSld name="Picture with Title and Content">
     <p:spTree>
       <p:nvGrpSpPr>
         <p:cNvPr id="1" name=""/>
@@ -1520,53 +1443,6 @@
           </a:p>
         </p:txBody>
       </p:sp>
-      <p:sp>
-        <p:nvSpPr>
-          <p:cNvPr id="8" name="TextBox 7">
-            <a:extLst>
-              <a:ext uri="{FF2B5EF4-FFF2-40B4-BE49-F238E27FC236}">
-                <a16:creationId xmlns:a16="http://schemas.microsoft.com/office/drawing/2014/main" id="{F80EF4BD-7206-F61D-1748-BF896B1E4D89}"/>
-              </a:ext>
-            </a:extLst>
-          </p:cNvPr>
-          <p:cNvSpPr txBox="1"/>
-          <p:nvPr userDrawn="1"/>
-        </p:nvSpPr>
-        <p:spPr>
-          <a:xfrm>
-            <a:off x="152400" y="412056"/>
-            <a:ext cx="8458200" cy="461665"/>
-          </a:xfrm>
-          <a:prstGeom prst="rect">
-            <a:avLst/>
-          </a:prstGeom>
-          <a:noFill/>
-        </p:spPr>
-        <p:txBody>
-          <a:bodyPr wrap="square">
-            <a:spAutoFit/>
-          </a:bodyPr>
-          <a:lstStyle/>
-          <a:p>
-            <a:pPr>
-              <a:defRPr/>
-            </a:pPr>
-            <a:r>
-              <a:rPr lang="es-ES_tradnl" sz="2400" b="1" dirty="0">
-                <a:solidFill>
-                  <a:srgbClr val="0070C0"/>
-                </a:solidFill>
-                <a:latin typeface="Avenir Next"/>
-              </a:rPr>
-              <a:t>Ingresos</a:t>
-            </a:r>
-            <a:endParaRPr lang="en-US" sz="2400" dirty="0">
-              <a:ea typeface="+mn-ea"/>
-              <a:cs typeface="+mn-cs"/>
-            </a:endParaRPr>
-          </a:p>
-        </p:txBody>
-      </p:sp>
       <p:pic>
         <p:nvPicPr>
           <p:cNvPr id="9" name="Google Shape;302;p2">
@@ -1644,46 +1520,92 @@
       </p:sp>
       <p:sp>
         <p:nvSpPr>
-          <p:cNvPr id="12" name="TextBox 11">
-            <a:extLst>
-              <a:ext uri="{FF2B5EF4-FFF2-40B4-BE49-F238E27FC236}">
-                <a16:creationId xmlns:a16="http://schemas.microsoft.com/office/drawing/2014/main" id="{2F3DBC78-4B3B-18B7-94AB-7697FD2A158E}"/>
-              </a:ext>
-            </a:extLst>
-          </p:cNvPr>
-          <p:cNvSpPr txBox="1"/>
-          <p:nvPr userDrawn="1"/>
+          <p:cNvPr id="4" name="Text Placeholder 2">
+            <a:extLst>
+              <a:ext uri="{FF2B5EF4-FFF2-40B4-BE49-F238E27FC236}">
+                <a16:creationId xmlns:a16="http://schemas.microsoft.com/office/drawing/2014/main" id="{D85055B6-23B6-0890-BC7F-457F0CFA728C}"/>
+              </a:ext>
+            </a:extLst>
+          </p:cNvPr>
+          <p:cNvSpPr>
+            <a:spLocks noGrp="1"/>
+          </p:cNvSpPr>
+          <p:nvPr>
+            <p:ph type="body" sz="quarter" idx="15" hasCustomPrompt="1"/>
+          </p:nvPr>
         </p:nvSpPr>
         <p:spPr>
           <a:xfrm>
-            <a:off x="409800" y="5979427"/>
-            <a:ext cx="4471645" cy="276999"/>
+            <a:off x="152400" y="412056"/>
+            <a:ext cx="8052090" cy="431587"/>
           </a:xfrm>
-          <a:prstGeom prst="rect">
-            <a:avLst/>
-          </a:prstGeom>
-          <a:noFill/>
         </p:spPr>
         <p:txBody>
-          <a:bodyPr wrap="square" rtlCol="0">
-            <a:spAutoFit/>
+          <a:bodyPr/>
+          <a:lstStyle>
+            <a:lvl1pPr marL="0" indent="0">
+              <a:buNone/>
+              <a:defRPr lang="en-US" sz="2400" b="1" kern="1200" smtClean="0">
+                <a:solidFill>
+                  <a:srgbClr val="0070C0"/>
+                </a:solidFill>
+                <a:latin typeface="Avenir Next"/>
+                <a:ea typeface="+mn-ea"/>
+                <a:cs typeface="+mn-cs"/>
+              </a:defRPr>
+            </a:lvl1pPr>
+          </a:lstStyle>
+          <a:p>
+            <a:pPr lvl="0"/>
+            <a:r>
+              <a:rPr lang="en-US" dirty="0"/>
+              <a:t>Click to add title</a:t>
+            </a:r>
+          </a:p>
+        </p:txBody>
+      </p:sp>
+      <p:sp>
+        <p:nvSpPr>
+          <p:cNvPr id="2" name="Text Placeholder 21">
+            <a:extLst>
+              <a:ext uri="{FF2B5EF4-FFF2-40B4-BE49-F238E27FC236}">
+                <a16:creationId xmlns:a16="http://schemas.microsoft.com/office/drawing/2014/main" id="{1D48B65A-EB4F-C7D2-C89A-40CB7E79B1A1}"/>
+              </a:ext>
+            </a:extLst>
+          </p:cNvPr>
+          <p:cNvSpPr>
+            <a:spLocks noGrp="1"/>
+          </p:cNvSpPr>
+          <p:nvPr>
+            <p:ph type="body" sz="quarter" idx="14"/>
+          </p:nvPr>
+        </p:nvSpPr>
+        <p:spPr>
+          <a:xfrm>
+            <a:off x="8620905" y="1591892"/>
+            <a:ext cx="3161295" cy="914400"/>
+          </a:xfrm>
+        </p:spPr>
+        <p:txBody>
+          <a:bodyPr>
+            <a:normAutofit/>
           </a:bodyPr>
-          <a:lstStyle/>
-          <a:p>
-            <a:pPr algn="l"/>
-            <a:r>
-              <a:rPr lang="es-ES_tradnl" sz="1200" dirty="0">
-                <a:latin typeface="Corbel"/>
-              </a:rPr>
-              <a:t>Fuente: Elaboración CFC con datos de INEGI. 2024.</a:t>
-            </a:r>
+          <a:lstStyle>
+            <a:lvl1pPr marL="0" indent="0">
+              <a:buNone/>
+              <a:defRPr sz="1800"/>
+            </a:lvl1pPr>
+          </a:lstStyle>
+          <a:p>
+            <a:pPr lvl="0"/>
+            <a:endParaRPr lang="es-ES_tradnl" dirty="0"/>
           </a:p>
         </p:txBody>
       </p:sp>
     </p:spTree>
     <p:extLst>
       <p:ext uri="{BB962C8B-B14F-4D97-AF65-F5344CB8AC3E}">
-        <p14:creationId xmlns:p14="http://schemas.microsoft.com/office/powerpoint/2010/main" val="3441319790"/>
+        <p14:creationId xmlns:p14="http://schemas.microsoft.com/office/powerpoint/2010/main" val="1237470043"/>
       </p:ext>
     </p:extLst>
   </p:cSld>
@@ -1695,7 +1617,7 @@
 
 <file path=ppt/slideLayouts/slideLayout14.xml><?xml version="1.0" encoding="utf-8"?>
 <p:sldLayout xmlns:a="http://schemas.openxmlformats.org/drawingml/2006/main" xmlns:r="http://schemas.openxmlformats.org/officeDocument/2006/relationships" xmlns:p="http://schemas.openxmlformats.org/presentationml/2006/main" preserve="1" userDrawn="1">
-  <p:cSld name="Jobs">
+  <p:cSld name="Picture with Title, Content and Table">
     <p:spTree>
       <p:nvGrpSpPr>
         <p:cNvPr id="1" name=""/>
@@ -1794,53 +1716,6 @@
           </a:p>
         </p:txBody>
       </p:sp>
-      <p:sp>
-        <p:nvSpPr>
-          <p:cNvPr id="8" name="TextBox 7">
-            <a:extLst>
-              <a:ext uri="{FF2B5EF4-FFF2-40B4-BE49-F238E27FC236}">
-                <a16:creationId xmlns:a16="http://schemas.microsoft.com/office/drawing/2014/main" id="{F80EF4BD-7206-F61D-1748-BF896B1E4D89}"/>
-              </a:ext>
-            </a:extLst>
-          </p:cNvPr>
-          <p:cNvSpPr txBox="1"/>
-          <p:nvPr userDrawn="1"/>
-        </p:nvSpPr>
-        <p:spPr>
-          <a:xfrm>
-            <a:off x="152400" y="412056"/>
-            <a:ext cx="8458200" cy="461665"/>
-          </a:xfrm>
-          <a:prstGeom prst="rect">
-            <a:avLst/>
-          </a:prstGeom>
-          <a:noFill/>
-        </p:spPr>
-        <p:txBody>
-          <a:bodyPr wrap="square">
-            <a:spAutoFit/>
-          </a:bodyPr>
-          <a:lstStyle/>
-          <a:p>
-            <a:pPr>
-              <a:defRPr/>
-            </a:pPr>
-            <a:r>
-              <a:rPr lang="es-ES_tradnl" sz="2400" b="1" dirty="0">
-                <a:solidFill>
-                  <a:srgbClr val="0070C0"/>
-                </a:solidFill>
-                <a:latin typeface="Avenir Next"/>
-              </a:rPr>
-              <a:t>Trabajos</a:t>
-            </a:r>
-            <a:endParaRPr lang="en-US" sz="2400" dirty="0">
-              <a:ea typeface="+mn-ea"/>
-              <a:cs typeface="+mn-cs"/>
-            </a:endParaRPr>
-          </a:p>
-        </p:txBody>
-      </p:sp>
       <p:pic>
         <p:nvPicPr>
           <p:cNvPr id="9" name="Google Shape;302;p2">
@@ -1918,46 +1793,127 @@
       </p:sp>
       <p:sp>
         <p:nvSpPr>
-          <p:cNvPr id="12" name="TextBox 11">
-            <a:extLst>
-              <a:ext uri="{FF2B5EF4-FFF2-40B4-BE49-F238E27FC236}">
-                <a16:creationId xmlns:a16="http://schemas.microsoft.com/office/drawing/2014/main" id="{2F3DBC78-4B3B-18B7-94AB-7697FD2A158E}"/>
-              </a:ext>
-            </a:extLst>
-          </p:cNvPr>
-          <p:cNvSpPr txBox="1"/>
-          <p:nvPr userDrawn="1"/>
+          <p:cNvPr id="4" name="Text Placeholder 2">
+            <a:extLst>
+              <a:ext uri="{FF2B5EF4-FFF2-40B4-BE49-F238E27FC236}">
+                <a16:creationId xmlns:a16="http://schemas.microsoft.com/office/drawing/2014/main" id="{D85055B6-23B6-0890-BC7F-457F0CFA728C}"/>
+              </a:ext>
+            </a:extLst>
+          </p:cNvPr>
+          <p:cNvSpPr>
+            <a:spLocks noGrp="1"/>
+          </p:cNvSpPr>
+          <p:nvPr>
+            <p:ph type="body" sz="quarter" idx="15" hasCustomPrompt="1"/>
+          </p:nvPr>
         </p:nvSpPr>
         <p:spPr>
           <a:xfrm>
-            <a:off x="409800" y="5979427"/>
-            <a:ext cx="4471645" cy="276999"/>
+            <a:off x="152400" y="412056"/>
+            <a:ext cx="8052090" cy="431587"/>
           </a:xfrm>
-          <a:prstGeom prst="rect">
-            <a:avLst/>
-          </a:prstGeom>
-          <a:noFill/>
         </p:spPr>
         <p:txBody>
-          <a:bodyPr wrap="square" rtlCol="0">
-            <a:spAutoFit/>
+          <a:bodyPr/>
+          <a:lstStyle>
+            <a:lvl1pPr marL="0" indent="0">
+              <a:buNone/>
+              <a:defRPr lang="en-US" sz="2400" b="1" kern="1200" smtClean="0">
+                <a:solidFill>
+                  <a:srgbClr val="0070C0"/>
+                </a:solidFill>
+                <a:latin typeface="Avenir Next"/>
+                <a:ea typeface="+mn-ea"/>
+                <a:cs typeface="+mn-cs"/>
+              </a:defRPr>
+            </a:lvl1pPr>
+          </a:lstStyle>
+          <a:p>
+            <a:pPr lvl="0"/>
+            <a:r>
+              <a:rPr lang="en-US" dirty="0"/>
+              <a:t>Click to add title</a:t>
+            </a:r>
+          </a:p>
+        </p:txBody>
+      </p:sp>
+      <p:sp>
+        <p:nvSpPr>
+          <p:cNvPr id="2" name="Text Placeholder 21">
+            <a:extLst>
+              <a:ext uri="{FF2B5EF4-FFF2-40B4-BE49-F238E27FC236}">
+                <a16:creationId xmlns:a16="http://schemas.microsoft.com/office/drawing/2014/main" id="{1D48B65A-EB4F-C7D2-C89A-40CB7E79B1A1}"/>
+              </a:ext>
+            </a:extLst>
+          </p:cNvPr>
+          <p:cNvSpPr>
+            <a:spLocks noGrp="1"/>
+          </p:cNvSpPr>
+          <p:nvPr>
+            <p:ph type="body" sz="quarter" idx="14"/>
+          </p:nvPr>
+        </p:nvSpPr>
+        <p:spPr>
+          <a:xfrm>
+            <a:off x="8620905" y="1591892"/>
+            <a:ext cx="3161295" cy="914400"/>
+          </a:xfrm>
+        </p:spPr>
+        <p:txBody>
+          <a:bodyPr>
+            <a:normAutofit/>
           </a:bodyPr>
-          <a:lstStyle/>
-          <a:p>
-            <a:pPr algn="l"/>
-            <a:r>
-              <a:rPr lang="es-ES_tradnl" sz="1200" dirty="0">
-                <a:latin typeface="Corbel"/>
-              </a:rPr>
-              <a:t>Fuente: Elaboración CFC con datos de INEGI. 2024.</a:t>
-            </a:r>
+          <a:lstStyle>
+            <a:lvl1pPr marL="0" indent="0">
+              <a:buNone/>
+              <a:defRPr sz="1800"/>
+            </a:lvl1pPr>
+          </a:lstStyle>
+          <a:p>
+            <a:pPr lvl="0"/>
+            <a:endParaRPr lang="es-ES_tradnl" dirty="0"/>
+          </a:p>
+        </p:txBody>
+      </p:sp>
+      <p:sp>
+        <p:nvSpPr>
+          <p:cNvPr id="3" name="Table Placeholder 2">
+            <a:extLst>
+              <a:ext uri="{FF2B5EF4-FFF2-40B4-BE49-F238E27FC236}">
+                <a16:creationId xmlns:a16="http://schemas.microsoft.com/office/drawing/2014/main" id="{022CD865-A0EC-5AE9-D12D-7D580D6A324F}"/>
+              </a:ext>
+            </a:extLst>
+          </p:cNvPr>
+          <p:cNvSpPr>
+            <a:spLocks noGrp="1"/>
+          </p:cNvSpPr>
+          <p:nvPr>
+            <p:ph type="tbl" sz="quarter" idx="16"/>
+          </p:nvPr>
+        </p:nvSpPr>
+        <p:spPr>
+          <a:xfrm>
+            <a:off x="8270697" y="4096307"/>
+            <a:ext cx="3832259" cy="1837108"/>
+          </a:xfrm>
+        </p:spPr>
+        <p:txBody>
+          <a:bodyPr/>
+          <a:lstStyle>
+            <a:lvl1pPr marL="0" indent="0">
+              <a:buNone/>
+              <a:defRPr/>
+            </a:lvl1pPr>
+          </a:lstStyle>
+          <a:p>
+            <a:endParaRPr lang="es-ES_tradnl" dirty="0"/>
           </a:p>
         </p:txBody>
       </p:sp>
     </p:spTree>
     <p:extLst>
       <p:ext uri="{BB962C8B-B14F-4D97-AF65-F5344CB8AC3E}">
-        <p14:creationId xmlns:p14="http://schemas.microsoft.com/office/powerpoint/2010/main" val="2040277245"/>
+        <p14:creationId xmlns:p14="http://schemas.microsoft.com/office/powerpoint/2010/main" val="1079220115"/>
       </p:ext>
     </p:extLst>
   </p:cSld>
@@ -1968,353 +1924,6 @@
 </file>
 
 <file path=ppt/slideLayouts/slideLayout15.xml><?xml version="1.0" encoding="utf-8"?>
-<p:sldLayout xmlns:a="http://schemas.openxmlformats.org/drawingml/2006/main" xmlns:r="http://schemas.openxmlformats.org/officeDocument/2006/relationships" xmlns:p="http://schemas.openxmlformats.org/presentationml/2006/main" preserve="1" userDrawn="1">
-  <p:cSld name="Map and Table">
-    <p:spTree>
-      <p:nvGrpSpPr>
-        <p:cNvPr id="1" name=""/>
-        <p:cNvGrpSpPr/>
-        <p:nvPr/>
-      </p:nvGrpSpPr>
-      <p:grpSpPr>
-        <a:xfrm>
-          <a:off x="0" y="0"/>
-          <a:ext cx="0" cy="0"/>
-          <a:chOff x="0" y="0"/>
-          <a:chExt cx="0" cy="0"/>
-        </a:xfrm>
-      </p:grpSpPr>
-      <p:sp>
-        <p:nvSpPr>
-          <p:cNvPr id="6" name="Rectangle 5">
-            <a:extLst>
-              <a:ext uri="{FF2B5EF4-FFF2-40B4-BE49-F238E27FC236}">
-                <a16:creationId xmlns:a16="http://schemas.microsoft.com/office/drawing/2014/main" id="{52D447BD-7428-D19B-F6AF-2527FBBB6A64}"/>
-              </a:ext>
-            </a:extLst>
-          </p:cNvPr>
-          <p:cNvSpPr/>
-          <p:nvPr userDrawn="1"/>
-        </p:nvSpPr>
-        <p:spPr>
-          <a:xfrm>
-            <a:off x="0" y="0"/>
-            <a:ext cx="12192000" cy="1285779"/>
-          </a:xfrm>
-          <a:prstGeom prst="rect">
-            <a:avLst/>
-          </a:prstGeom>
-          <a:solidFill>
-            <a:schemeClr val="tx2">
-              <a:lumMod val="10000"/>
-              <a:lumOff val="90000"/>
-            </a:schemeClr>
-          </a:solidFill>
-          <a:ln>
-            <a:noFill/>
-          </a:ln>
-        </p:spPr>
-        <p:style>
-          <a:lnRef idx="2">
-            <a:schemeClr val="accent1">
-              <a:shade val="15000"/>
-            </a:schemeClr>
-          </a:lnRef>
-          <a:fillRef idx="1">
-            <a:schemeClr val="accent1"/>
-          </a:fillRef>
-          <a:effectRef idx="0">
-            <a:schemeClr val="accent1"/>
-          </a:effectRef>
-          <a:fontRef idx="minor">
-            <a:schemeClr val="lt1"/>
-          </a:fontRef>
-        </p:style>
-        <p:txBody>
-          <a:bodyPr rtlCol="0" anchor="ctr"/>
-          <a:lstStyle/>
-          <a:p>
-            <a:pPr marL="0" marR="0" lvl="0" indent="0" algn="ctr" defTabSz="914400" rtl="0" eaLnBrk="1" fontAlgn="auto" latinLnBrk="0" hangingPunct="1">
-              <a:lnSpc>
-                <a:spcPct val="100000"/>
-              </a:lnSpc>
-              <a:spcBef>
-                <a:spcPts val="0"/>
-              </a:spcBef>
-              <a:spcAft>
-                <a:spcPts val="0"/>
-              </a:spcAft>
-              <a:buClrTx/>
-              <a:buSzTx/>
-              <a:buFontTx/>
-              <a:buNone/>
-              <a:tabLst/>
-              <a:defRPr/>
-            </a:pPr>
-            <a:endParaRPr kumimoji="0" lang="es-ES_tradnl" sz="1800" b="0" i="0" u="none" strike="noStrike" kern="1200" cap="none" spc="0" normalizeH="0" baseline="0" noProof="0">
-              <a:ln>
-                <a:noFill/>
-              </a:ln>
-              <a:solidFill>
-                <a:prstClr val="white"/>
-              </a:solidFill>
-              <a:effectLst/>
-              <a:uLnTx/>
-              <a:uFillTx/>
-              <a:latin typeface="Aptos" panose="02110004020202020204"/>
-              <a:ea typeface="+mn-ea"/>
-              <a:cs typeface="+mn-cs"/>
-            </a:endParaRPr>
-          </a:p>
-        </p:txBody>
-      </p:sp>
-      <p:sp>
-        <p:nvSpPr>
-          <p:cNvPr id="8" name="TextBox 7">
-            <a:extLst>
-              <a:ext uri="{FF2B5EF4-FFF2-40B4-BE49-F238E27FC236}">
-                <a16:creationId xmlns:a16="http://schemas.microsoft.com/office/drawing/2014/main" id="{F80EF4BD-7206-F61D-1748-BF896B1E4D89}"/>
-              </a:ext>
-            </a:extLst>
-          </p:cNvPr>
-          <p:cNvSpPr txBox="1"/>
-          <p:nvPr userDrawn="1"/>
-        </p:nvSpPr>
-        <p:spPr>
-          <a:xfrm>
-            <a:off x="152400" y="412056"/>
-            <a:ext cx="8458200" cy="461665"/>
-          </a:xfrm>
-          <a:prstGeom prst="rect">
-            <a:avLst/>
-          </a:prstGeom>
-          <a:noFill/>
-        </p:spPr>
-        <p:txBody>
-          <a:bodyPr wrap="square">
-            <a:spAutoFit/>
-          </a:bodyPr>
-          <a:lstStyle/>
-          <a:p>
-            <a:pPr>
-              <a:defRPr/>
-            </a:pPr>
-            <a:r>
-              <a:rPr lang="es-ES_tradnl" sz="2400" b="1" dirty="0">
-                <a:solidFill>
-                  <a:srgbClr val="0070C0"/>
-                </a:solidFill>
-                <a:latin typeface="Avenir Next"/>
-              </a:rPr>
-              <a:t>Dinámica de crecimiento del 2000 al 2020</a:t>
-            </a:r>
-            <a:endParaRPr lang="en-US" sz="2400" dirty="0">
-              <a:ea typeface="+mn-ea"/>
-              <a:cs typeface="+mn-cs"/>
-            </a:endParaRPr>
-          </a:p>
-        </p:txBody>
-      </p:sp>
-      <p:pic>
-        <p:nvPicPr>
-          <p:cNvPr id="9" name="Google Shape;302;p2">
-            <a:extLst>
-              <a:ext uri="{FF2B5EF4-FFF2-40B4-BE49-F238E27FC236}">
-                <a16:creationId xmlns:a16="http://schemas.microsoft.com/office/drawing/2014/main" id="{19B1BB53-F4C4-6B03-F4BA-25A666764B01}"/>
-              </a:ext>
-            </a:extLst>
-          </p:cNvPr>
-          <p:cNvPicPr>
-            <a:picLocks noChangeAspect="1"/>
-          </p:cNvPicPr>
-          <p:nvPr userDrawn="1"/>
-        </p:nvPicPr>
-        <p:blipFill rotWithShape="1">
-          <a:blip r:embed="rId2" cstate="screen">
-            <a:alphaModFix/>
-            <a:extLst>
-              <a:ext uri="{28A0092B-C50C-407E-A947-70E740481C1C}">
-                <a14:useLocalDpi xmlns:a14="http://schemas.microsoft.com/office/drawing/2010/main"/>
-              </a:ext>
-            </a:extLst>
-          </a:blip>
-          <a:srcRect/>
-          <a:stretch/>
-        </p:blipFill>
-        <p:spPr>
-          <a:xfrm>
-            <a:off x="8620905" y="432163"/>
-            <a:ext cx="3154680" cy="411480"/>
-          </a:xfrm>
-          <a:prstGeom prst="rect">
-            <a:avLst/>
-          </a:prstGeom>
-          <a:noFill/>
-          <a:ln>
-            <a:noFill/>
-          </a:ln>
-        </p:spPr>
-      </p:pic>
-      <p:sp>
-        <p:nvSpPr>
-          <p:cNvPr id="11" name="Picture Placeholder 10">
-            <a:extLst>
-              <a:ext uri="{FF2B5EF4-FFF2-40B4-BE49-F238E27FC236}">
-                <a16:creationId xmlns:a16="http://schemas.microsoft.com/office/drawing/2014/main" id="{3C200E97-8D5D-D8AF-AC67-ADD9BB6D7810}"/>
-              </a:ext>
-            </a:extLst>
-          </p:cNvPr>
-          <p:cNvSpPr>
-            <a:spLocks noGrp="1"/>
-          </p:cNvSpPr>
-          <p:nvPr>
-            <p:ph type="pic" sz="quarter" idx="13"/>
-          </p:nvPr>
-        </p:nvSpPr>
-        <p:spPr>
-          <a:xfrm>
-            <a:off x="409800" y="1591892"/>
-            <a:ext cx="7743600" cy="4352400"/>
-          </a:xfrm>
-        </p:spPr>
-        <p:txBody>
-          <a:bodyPr/>
-          <a:lstStyle>
-            <a:lvl1pPr marL="0" indent="0">
-              <a:buNone/>
-              <a:defRPr/>
-            </a:lvl1pPr>
-          </a:lstStyle>
-          <a:p>
-            <a:endParaRPr lang="en-MX" dirty="0"/>
-          </a:p>
-        </p:txBody>
-      </p:sp>
-      <p:sp>
-        <p:nvSpPr>
-          <p:cNvPr id="12" name="TextBox 11">
-            <a:extLst>
-              <a:ext uri="{FF2B5EF4-FFF2-40B4-BE49-F238E27FC236}">
-                <a16:creationId xmlns:a16="http://schemas.microsoft.com/office/drawing/2014/main" id="{2F3DBC78-4B3B-18B7-94AB-7697FD2A158E}"/>
-              </a:ext>
-            </a:extLst>
-          </p:cNvPr>
-          <p:cNvSpPr txBox="1"/>
-          <p:nvPr userDrawn="1"/>
-        </p:nvSpPr>
-        <p:spPr>
-          <a:xfrm>
-            <a:off x="409800" y="5979427"/>
-            <a:ext cx="4471645" cy="276999"/>
-          </a:xfrm>
-          <a:prstGeom prst="rect">
-            <a:avLst/>
-          </a:prstGeom>
-          <a:noFill/>
-        </p:spPr>
-        <p:txBody>
-          <a:bodyPr wrap="square" rtlCol="0">
-            <a:spAutoFit/>
-          </a:bodyPr>
-          <a:lstStyle/>
-          <a:p>
-            <a:pPr algn="l"/>
-            <a:r>
-              <a:rPr lang="es-ES_tradnl" sz="1200" dirty="0">
-                <a:latin typeface="Corbel"/>
-              </a:rPr>
-              <a:t>Fuente: Elaboración CFC con datos de INEGI y GHSL. 2024.</a:t>
-            </a:r>
-          </a:p>
-        </p:txBody>
-      </p:sp>
-      <p:sp>
-        <p:nvSpPr>
-          <p:cNvPr id="3" name="Table Placeholder 2">
-            <a:extLst>
-              <a:ext uri="{FF2B5EF4-FFF2-40B4-BE49-F238E27FC236}">
-                <a16:creationId xmlns:a16="http://schemas.microsoft.com/office/drawing/2014/main" id="{E2D5EE03-4F52-91D6-9721-2C1C72F23FD4}"/>
-              </a:ext>
-            </a:extLst>
-          </p:cNvPr>
-          <p:cNvSpPr>
-            <a:spLocks noGrp="1"/>
-          </p:cNvSpPr>
-          <p:nvPr>
-            <p:ph type="tbl" sz="quarter" idx="14"/>
-          </p:nvPr>
-        </p:nvSpPr>
-        <p:spPr>
-          <a:xfrm>
-            <a:off x="8270697" y="4096307"/>
-            <a:ext cx="3832259" cy="1837108"/>
-          </a:xfrm>
-        </p:spPr>
-        <p:txBody>
-          <a:bodyPr/>
-          <a:lstStyle>
-            <a:lvl1pPr marL="0" indent="0">
-              <a:buNone/>
-              <a:defRPr/>
-            </a:lvl1pPr>
-          </a:lstStyle>
-          <a:p>
-            <a:endParaRPr lang="es-ES_tradnl" dirty="0"/>
-          </a:p>
-        </p:txBody>
-      </p:sp>
-      <p:sp>
-        <p:nvSpPr>
-          <p:cNvPr id="4" name="Text Placeholder 21">
-            <a:extLst>
-              <a:ext uri="{FF2B5EF4-FFF2-40B4-BE49-F238E27FC236}">
-                <a16:creationId xmlns:a16="http://schemas.microsoft.com/office/drawing/2014/main" id="{77CDB10A-8F82-FC45-17C7-5CCA40D1B95D}"/>
-              </a:ext>
-            </a:extLst>
-          </p:cNvPr>
-          <p:cNvSpPr>
-            <a:spLocks noGrp="1"/>
-          </p:cNvSpPr>
-          <p:nvPr>
-            <p:ph type="body" sz="quarter" idx="15"/>
-          </p:nvPr>
-        </p:nvSpPr>
-        <p:spPr>
-          <a:xfrm>
-            <a:off x="8620905" y="1591892"/>
-            <a:ext cx="3161295" cy="914400"/>
-          </a:xfrm>
-        </p:spPr>
-        <p:txBody>
-          <a:bodyPr>
-            <a:normAutofit/>
-          </a:bodyPr>
-          <a:lstStyle>
-            <a:lvl1pPr marL="0" indent="0">
-              <a:buNone/>
-              <a:defRPr sz="1800"/>
-            </a:lvl1pPr>
-          </a:lstStyle>
-          <a:p>
-            <a:pPr lvl="0"/>
-            <a:endParaRPr lang="es-ES_tradnl" dirty="0"/>
-          </a:p>
-        </p:txBody>
-      </p:sp>
-    </p:spTree>
-    <p:extLst>
-      <p:ext uri="{BB962C8B-B14F-4D97-AF65-F5344CB8AC3E}">
-        <p14:creationId xmlns:p14="http://schemas.microsoft.com/office/powerpoint/2010/main" val="1424712941"/>
-      </p:ext>
-    </p:extLst>
-  </p:cSld>
-  <p:clrMapOvr>
-    <a:masterClrMapping/>
-  </p:clrMapOvr>
-</p:sldLayout>
-</file>
-
-<file path=ppt/slideLayouts/slideLayout16.xml><?xml version="1.0" encoding="utf-8"?>
 <p:sldLayout xmlns:a="http://schemas.openxmlformats.org/drawingml/2006/main" xmlns:r="http://schemas.openxmlformats.org/officeDocument/2006/relationships" xmlns:p="http://schemas.openxmlformats.org/presentationml/2006/main" preserve="1" userDrawn="1">
   <p:cSld name="Section Divider">
     <p:bg>
@@ -2524,7 +2133,7 @@
           <a:p>
             <a:fld id="{0E2FB9A1-9B60-8046-A5BB-AE8B3674F523}" type="datetimeFigureOut">
               <a:rPr lang="en-MX" smtClean="0"/>
-              <a:t>03/05/2025</a:t>
+              <a:t>04/21/2025</a:t>
             </a:fld>
             <a:endParaRPr lang="en-MX"/>
           </a:p>
@@ -2816,7 +2425,7 @@
           <a:p>
             <a:fld id="{0E2FB9A1-9B60-8046-A5BB-AE8B3674F523}" type="datetimeFigureOut">
               <a:rPr lang="en-MX" smtClean="0"/>
-              <a:t>03/05/2025</a:t>
+              <a:t>04/21/2025</a:t>
             </a:fld>
             <a:endParaRPr lang="en-MX"/>
           </a:p>
@@ -3084,7 +2693,7 @@
           <a:p>
             <a:fld id="{0E2FB9A1-9B60-8046-A5BB-AE8B3674F523}" type="datetimeFigureOut">
               <a:rPr lang="en-MX" smtClean="0"/>
-              <a:t>03/05/2025</a:t>
+              <a:t>04/21/2025</a:t>
             </a:fld>
             <a:endParaRPr lang="en-MX"/>
           </a:p>
@@ -3499,7 +3108,7 @@
           <a:p>
             <a:fld id="{0E2FB9A1-9B60-8046-A5BB-AE8B3674F523}" type="datetimeFigureOut">
               <a:rPr lang="en-MX" smtClean="0"/>
-              <a:t>03/05/2025</a:t>
+              <a:t>04/21/2025</a:t>
             </a:fld>
             <a:endParaRPr lang="en-MX"/>
           </a:p>
@@ -3641,7 +3250,7 @@
           <a:p>
             <a:fld id="{0E2FB9A1-9B60-8046-A5BB-AE8B3674F523}" type="datetimeFigureOut">
               <a:rPr lang="en-MX" smtClean="0"/>
-              <a:t>03/05/2025</a:t>
+              <a:t>04/21/2025</a:t>
             </a:fld>
             <a:endParaRPr lang="en-MX"/>
           </a:p>
@@ -3754,7 +3363,7 @@
           <a:p>
             <a:fld id="{0E2FB9A1-9B60-8046-A5BB-AE8B3674F523}" type="datetimeFigureOut">
               <a:rPr lang="en-MX" smtClean="0"/>
-              <a:t>03/05/2025</a:t>
+              <a:t>04/21/2025</a:t>
             </a:fld>
             <a:endParaRPr lang="en-MX"/>
           </a:p>
@@ -4067,7 +3676,7 @@
           <a:p>
             <a:fld id="{0E2FB9A1-9B60-8046-A5BB-AE8B3674F523}" type="datetimeFigureOut">
               <a:rPr lang="en-MX" smtClean="0"/>
-              <a:t>03/05/2025</a:t>
+              <a:t>04/21/2025</a:t>
             </a:fld>
             <a:endParaRPr lang="en-MX"/>
           </a:p>
@@ -4356,7 +3965,7 @@
           <a:p>
             <a:fld id="{0E2FB9A1-9B60-8046-A5BB-AE8B3674F523}" type="datetimeFigureOut">
               <a:rPr lang="en-MX" smtClean="0"/>
-              <a:t>03/05/2025</a:t>
+              <a:t>04/21/2025</a:t>
             </a:fld>
             <a:endParaRPr lang="en-MX"/>
           </a:p>
@@ -4601,7 +4210,7 @@
             <a:fld id="{0E2FB9A1-9B60-8046-A5BB-AE8B3674F523}" type="datetimeFigureOut">
               <a:rPr lang="en-MX" smtClean="0"/>
               <a:pPr/>
-              <a:t>03/05/2025</a:t>
+              <a:t>04/21/2025</a:t>
             </a:fld>
             <a:endParaRPr lang="en-MX" dirty="0"/>
           </a:p>
@@ -4720,11 +4329,10 @@
     <p:sldLayoutId id="2147483657" r:id="rId9"/>
     <p:sldLayoutId id="2147483658" r:id="rId10"/>
     <p:sldLayoutId id="2147483659" r:id="rId11"/>
-    <p:sldLayoutId id="2147483660" r:id="rId12"/>
-    <p:sldLayoutId id="2147483663" r:id="rId13"/>
-    <p:sldLayoutId id="2147483664" r:id="rId14"/>
-    <p:sldLayoutId id="2147483661" r:id="rId15"/>
-    <p:sldLayoutId id="2147483662" r:id="rId16"/>
+    <p:sldLayoutId id="2147483665" r:id="rId12"/>
+    <p:sldLayoutId id="2147483666" r:id="rId13"/>
+    <p:sldLayoutId id="2147483667" r:id="rId14"/>
+    <p:sldLayoutId id="2147483662" r:id="rId15"/>
   </p:sldLayoutIdLst>
   <p:txStyles>
     <p:titleStyle>
